--- a/20210531_clase5/funciones_diccionarios.pptx
+++ b/20210531_clase5/funciones_diccionarios.pptx
@@ -2560,103 +2560,7 @@
               </a:spcAft>
               <a:buNone/>
             </a:pPr>
-            <a:r>
-              <a:rPr lang="en-US">
-                <a:latin typeface="Merriweather Sans"/>
-                <a:ea typeface="Merriweather Sans"/>
-                <a:cs typeface="Merriweather Sans"/>
-                <a:sym typeface="Merriweather Sans"/>
-              </a:rPr>
-              <a:t>Outer rings - Client experience, technology, efficiencies, data driven solutions and innovation</a:t>
-            </a:r>
-            <a:endParaRPr/>
-          </a:p>
-          <a:p>
-            <a:pPr marL="0" lvl="0" indent="0" algn="l" rtl="0">
-              <a:lnSpc>
-                <a:spcPct val="100000"/>
-              </a:lnSpc>
-              <a:spcBef>
-                <a:spcPts val="0"/>
-              </a:spcBef>
-              <a:spcAft>
-                <a:spcPts val="0"/>
-              </a:spcAft>
-              <a:buNone/>
-            </a:pPr>
-            <a:r>
-              <a:rPr lang="en-US">
-                <a:latin typeface="Merriweather Sans"/>
-                <a:ea typeface="Merriweather Sans"/>
-                <a:cs typeface="Merriweather Sans"/>
-                <a:sym typeface="Merriweather Sans"/>
-              </a:rPr>
-              <a:t>Inner rings - creative content production </a:t>
-            </a:r>
-            <a:endParaRPr/>
-          </a:p>
-          <a:p>
-            <a:pPr marL="0" lvl="0" indent="0" algn="l" rtl="0">
-              <a:lnSpc>
-                <a:spcPct val="100000"/>
-              </a:lnSpc>
-              <a:spcBef>
-                <a:spcPts val="0"/>
-              </a:spcBef>
-              <a:spcAft>
-                <a:spcPts val="0"/>
-              </a:spcAft>
-              <a:buNone/>
-            </a:pPr>
-            <a:r>
-              <a:rPr lang="en-US">
-                <a:latin typeface="Merriweather Sans"/>
-                <a:ea typeface="Merriweather Sans"/>
-                <a:cs typeface="Merriweather Sans"/>
-                <a:sym typeface="Merriweather Sans"/>
-              </a:rPr>
-              <a:t>Brand and Commerce - telling stories and selling. </a:t>
-            </a:r>
-            <a:endParaRPr/>
-          </a:p>
-          <a:p>
-            <a:pPr marL="0" lvl="0" indent="0" algn="l" rtl="0">
-              <a:lnSpc>
-                <a:spcPct val="100000"/>
-              </a:lnSpc>
-              <a:spcBef>
-                <a:spcPts val="0"/>
-              </a:spcBef>
-              <a:spcAft>
-                <a:spcPts val="0"/>
-              </a:spcAft>
-              <a:buNone/>
-            </a:pPr>
-            <a:r>
-              <a:rPr lang="en-US">
-                <a:latin typeface="Merriweather Sans"/>
-                <a:ea typeface="Merriweather Sans"/>
-                <a:cs typeface="Merriweather Sans"/>
-                <a:sym typeface="Merriweather Sans"/>
-              </a:rPr>
-              <a:t>Solution selling.</a:t>
-            </a:r>
-            <a:endParaRPr/>
-          </a:p>
-          <a:p>
-            <a:pPr marL="0" lvl="0" indent="0" algn="l" rtl="0">
-              <a:lnSpc>
-                <a:spcPct val="100000"/>
-              </a:lnSpc>
-              <a:spcBef>
-                <a:spcPts val="0"/>
-              </a:spcBef>
-              <a:spcAft>
-                <a:spcPts val="0"/>
-              </a:spcAft>
-              <a:buNone/>
-            </a:pPr>
-            <a:endParaRPr/>
+            <a:endParaRPr dirty="0"/>
           </a:p>
         </p:txBody>
       </p:sp>
@@ -14240,10 +14144,10 @@
       </p:sp>
       <p:pic>
         <p:nvPicPr>
-          <p:cNvPr id="4" name="Picture 3">
+          <p:cNvPr id="5" name="Picture 4">
             <a:extLst>
               <a:ext uri="{FF2B5EF4-FFF2-40B4-BE49-F238E27FC236}">
-                <a16:creationId xmlns:a16="http://schemas.microsoft.com/office/drawing/2014/main" id="{5D9B38A2-01E1-8F40-A31B-8A484D8BEAF7}"/>
+                <a16:creationId xmlns:a16="http://schemas.microsoft.com/office/drawing/2014/main" id="{ACF017D3-C714-DB4C-B1F2-C487416C13F9}"/>
               </a:ext>
             </a:extLst>
           </p:cNvPr>
@@ -14260,8 +14164,8 @@
         </p:blipFill>
         <p:spPr>
           <a:xfrm>
-            <a:off x="8368145" y="6280495"/>
-            <a:ext cx="7647709" cy="5939002"/>
+            <a:off x="8189843" y="6249441"/>
+            <a:ext cx="7556224" cy="5911035"/>
           </a:xfrm>
           <a:prstGeom prst="rect">
             <a:avLst/>
@@ -14368,7 +14272,7 @@
             </a:r>
             <a:r>
               <a:rPr lang="es-ES_tradnl" sz="4000" dirty="0" err="1"/>
-              <a:t>graduacio.py</a:t>
+              <a:t>graduacion.py</a:t>
             </a:r>
             <a:r>
               <a:rPr lang="es-ES_tradnl" sz="4000" dirty="0"/>
@@ -14575,8 +14479,38 @@
         </p:blipFill>
         <p:spPr>
           <a:xfrm>
-            <a:off x="8103567" y="7194608"/>
+            <a:off x="7956975" y="9184258"/>
             <a:ext cx="8176866" cy="1222086"/>
+          </a:xfrm>
+          <a:prstGeom prst="rect">
+            <a:avLst/>
+          </a:prstGeom>
+        </p:spPr>
+      </p:pic>
+      <p:pic>
+        <p:nvPicPr>
+          <p:cNvPr id="5" name="Picture 4">
+            <a:extLst>
+              <a:ext uri="{FF2B5EF4-FFF2-40B4-BE49-F238E27FC236}">
+                <a16:creationId xmlns:a16="http://schemas.microsoft.com/office/drawing/2014/main" id="{8FBEDAED-C7D1-EF43-939A-EB4538A80A6B}"/>
+              </a:ext>
+            </a:extLst>
+          </p:cNvPr>
+          <p:cNvPicPr>
+            <a:picLocks noChangeAspect="1"/>
+          </p:cNvPicPr>
+          <p:nvPr/>
+        </p:nvPicPr>
+        <p:blipFill>
+          <a:blip r:embed="rId4"/>
+          <a:stretch>
+            <a:fillRect/>
+          </a:stretch>
+        </p:blipFill>
+        <p:spPr>
+          <a:xfrm>
+            <a:off x="7372580" y="5650328"/>
+            <a:ext cx="8913395" cy="2415343"/>
           </a:xfrm>
           <a:prstGeom prst="rect">
             <a:avLst/>
